--- a/2-3 About API.AI.pptx
+++ b/2-3 About API.AI.pptx
@@ -5,11 +5,15 @@
     <p:sldMasterId id="2147483660" r:id="rId1"/>
   </p:sldMasterIdLst>
   <p:notesMasterIdLst>
-    <p:notesMasterId r:id="rId4"/>
+    <p:notesMasterId r:id="rId8"/>
   </p:notesMasterIdLst>
   <p:sldIdLst>
     <p:sldId id="256" r:id="rId2"/>
     <p:sldId id="273" r:id="rId3"/>
+    <p:sldId id="276" r:id="rId4"/>
+    <p:sldId id="274" r:id="rId5"/>
+    <p:sldId id="275" r:id="rId6"/>
+    <p:sldId id="277" r:id="rId7"/>
   </p:sldIdLst>
   <p:sldSz cx="12192000" cy="6858000"/>
   <p:notesSz cx="6858000" cy="9144000"/>
@@ -109,6 +113,20 @@
     </a:lvl9pPr>
   </p:defaultTextStyle>
   <p:extLst>
+    <p:ext uri="{521415D9-36F7-43E2-AB2F-B90AF26B5E84}">
+      <p14:sectionLst xmlns:p14="http://schemas.microsoft.com/office/powerpoint/2010/main">
+        <p14:section name="기본 구역" id="{851AFB75-EE2C-4139-9B7C-C8C830BAEDEC}">
+          <p14:sldIdLst>
+            <p14:sldId id="256"/>
+            <p14:sldId id="273"/>
+            <p14:sldId id="276"/>
+            <p14:sldId id="274"/>
+            <p14:sldId id="275"/>
+            <p14:sldId id="277"/>
+          </p14:sldIdLst>
+        </p14:section>
+      </p14:sectionLst>
+    </p:ext>
     <p:ext uri="{EFAFB233-063F-42B5-8137-9DF3F51BA10A}">
       <p15:sldGuideLst xmlns:p15="http://schemas.microsoft.com/office/powerpoint/2012/main"/>
     </p:ext>
@@ -202,7 +220,7 @@
           <a:p>
             <a:fld id="{82604E9E-60DE-417E-849E-2CDE7F357628}" type="datetimeFigureOut">
               <a:rPr lang="en-US" smtClean="0"/>
-              <a:t>7/25/2017</a:t>
+              <a:t>7/27/2017</a:t>
             </a:fld>
             <a:endParaRPr lang="en-US"/>
           </a:p>
@@ -554,6 +572,247 @@
 </p:notes>
 </file>
 
+<file path=ppt/notesSlides/notesSlide2.xml><?xml version="1.0" encoding="utf-8"?>
+<p:notes xmlns:a="http://schemas.openxmlformats.org/drawingml/2006/main" xmlns:r="http://schemas.openxmlformats.org/officeDocument/2006/relationships" xmlns:p="http://schemas.openxmlformats.org/presentationml/2006/main">
+  <p:cSld>
+    <p:spTree>
+      <p:nvGrpSpPr>
+        <p:cNvPr id="1" name=""/>
+        <p:cNvGrpSpPr/>
+        <p:nvPr/>
+      </p:nvGrpSpPr>
+      <p:grpSpPr>
+        <a:xfrm>
+          <a:off x="0" y="0"/>
+          <a:ext cx="0" cy="0"/>
+          <a:chOff x="0" y="0"/>
+          <a:chExt cx="0" cy="0"/>
+        </a:xfrm>
+      </p:grpSpPr>
+      <p:sp>
+        <p:nvSpPr>
+          <p:cNvPr id="2" name="슬라이드 이미지 개체 틀 1"/>
+          <p:cNvSpPr>
+            <a:spLocks noGrp="1" noRot="1" noChangeAspect="1"/>
+          </p:cNvSpPr>
+          <p:nvPr>
+            <p:ph type="sldImg"/>
+          </p:nvPr>
+        </p:nvSpPr>
+        <p:spPr/>
+      </p:sp>
+      <p:sp>
+        <p:nvSpPr>
+          <p:cNvPr id="3" name="슬라이드 노트 개체 틀 2"/>
+          <p:cNvSpPr>
+            <a:spLocks noGrp="1"/>
+          </p:cNvSpPr>
+          <p:nvPr>
+            <p:ph type="body" idx="1"/>
+          </p:nvPr>
+        </p:nvSpPr>
+        <p:spPr/>
+        <p:txBody>
+          <a:bodyPr/>
+          <a:lstStyle/>
+          <a:p>
+            <a:r>
+              <a:rPr lang="en-US" dirty="0"/>
+              <a:t>Go to console</a:t>
+            </a:r>
+          </a:p>
+          <a:p>
+            <a:r>
+              <a:rPr lang="en-US" dirty="0"/>
+              <a:t>Create intent</a:t>
+            </a:r>
+          </a:p>
+          <a:p>
+            <a:r>
+              <a:rPr lang="en-US" dirty="0"/>
+              <a:t>Design question and answer to the question</a:t>
+            </a:r>
+          </a:p>
+          <a:p>
+            <a:r>
+              <a:rPr lang="en-US" dirty="0"/>
+              <a:t>Answer can be multiple part.</a:t>
+            </a:r>
+          </a:p>
+          <a:p>
+            <a:r>
+              <a:rPr lang="en-US" dirty="0"/>
+              <a:t>Including image, web site, button, …</a:t>
+            </a:r>
+          </a:p>
+        </p:txBody>
+      </p:sp>
+      <p:sp>
+        <p:nvSpPr>
+          <p:cNvPr id="4" name="슬라이드 번호 개체 틀 3"/>
+          <p:cNvSpPr>
+            <a:spLocks noGrp="1"/>
+          </p:cNvSpPr>
+          <p:nvPr>
+            <p:ph type="sldNum" sz="quarter" idx="10"/>
+          </p:nvPr>
+        </p:nvSpPr>
+        <p:spPr/>
+        <p:txBody>
+          <a:bodyPr/>
+          <a:lstStyle/>
+          <a:p>
+            <a:fld id="{772745C2-B5F1-4B10-8C0E-DEBCE2EB7236}" type="slidenum">
+              <a:rPr lang="en-US" smtClean="0"/>
+              <a:t>4</a:t>
+            </a:fld>
+            <a:endParaRPr lang="en-US"/>
+          </a:p>
+        </p:txBody>
+      </p:sp>
+    </p:spTree>
+    <p:extLst>
+      <p:ext uri="{BB962C8B-B14F-4D97-AF65-F5344CB8AC3E}">
+        <p14:creationId xmlns:p14="http://schemas.microsoft.com/office/powerpoint/2010/main" val="1415498575"/>
+      </p:ext>
+    </p:extLst>
+  </p:cSld>
+  <p:clrMapOvr>
+    <a:masterClrMapping/>
+  </p:clrMapOvr>
+</p:notes>
+</file>
+
+<file path=ppt/notesSlides/notesSlide3.xml><?xml version="1.0" encoding="utf-8"?>
+<p:notes xmlns:a="http://schemas.openxmlformats.org/drawingml/2006/main" xmlns:r="http://schemas.openxmlformats.org/officeDocument/2006/relationships" xmlns:p="http://schemas.openxmlformats.org/presentationml/2006/main">
+  <p:cSld>
+    <p:spTree>
+      <p:nvGrpSpPr>
+        <p:cNvPr id="1" name=""/>
+        <p:cNvGrpSpPr/>
+        <p:nvPr/>
+      </p:nvGrpSpPr>
+      <p:grpSpPr>
+        <a:xfrm>
+          <a:off x="0" y="0"/>
+          <a:ext cx="0" cy="0"/>
+          <a:chOff x="0" y="0"/>
+          <a:chExt cx="0" cy="0"/>
+        </a:xfrm>
+      </p:grpSpPr>
+      <p:sp>
+        <p:nvSpPr>
+          <p:cNvPr id="2" name="슬라이드 이미지 개체 틀 1"/>
+          <p:cNvSpPr>
+            <a:spLocks noGrp="1" noRot="1" noChangeAspect="1"/>
+          </p:cNvSpPr>
+          <p:nvPr>
+            <p:ph type="sldImg"/>
+          </p:nvPr>
+        </p:nvSpPr>
+        <p:spPr/>
+      </p:sp>
+      <p:sp>
+        <p:nvSpPr>
+          <p:cNvPr id="3" name="슬라이드 노트 개체 틀 2"/>
+          <p:cNvSpPr>
+            <a:spLocks noGrp="1"/>
+          </p:cNvSpPr>
+          <p:nvPr>
+            <p:ph type="body" idx="1"/>
+          </p:nvPr>
+        </p:nvSpPr>
+        <p:spPr/>
+        <p:txBody>
+          <a:bodyPr/>
+          <a:lstStyle/>
+          <a:p>
+            <a:pPr marL="0" marR="0" lvl="0" indent="0" algn="l" defTabSz="914400" rtl="0" eaLnBrk="1" fontAlgn="auto" latinLnBrk="0" hangingPunct="1">
+              <a:lnSpc>
+                <a:spcPct val="100000"/>
+              </a:lnSpc>
+              <a:spcBef>
+                <a:spcPts val="0"/>
+              </a:spcBef>
+              <a:spcAft>
+                <a:spcPts val="0"/>
+              </a:spcAft>
+              <a:buClrTx/>
+              <a:buSzTx/>
+              <a:buFontTx/>
+              <a:buNone/>
+              <a:tabLst/>
+              <a:defRPr/>
+            </a:pPr>
+            <a:r>
+              <a:rPr lang="en-US" dirty="0"/>
+              <a:t>Luckily, API.AI smartly recognize most of important concept</a:t>
+            </a:r>
+          </a:p>
+          <a:p>
+            <a:pPr marL="0" marR="0" lvl="0" indent="0" algn="l" defTabSz="914400" rtl="0" eaLnBrk="1" fontAlgn="auto" latinLnBrk="0" hangingPunct="1">
+              <a:lnSpc>
+                <a:spcPct val="100000"/>
+              </a:lnSpc>
+              <a:spcBef>
+                <a:spcPts val="0"/>
+              </a:spcBef>
+              <a:spcAft>
+                <a:spcPts val="0"/>
+              </a:spcAft>
+              <a:buClrTx/>
+              <a:buSzTx/>
+              <a:buFontTx/>
+              <a:buNone/>
+              <a:tabLst/>
+              <a:defRPr/>
+            </a:pPr>
+            <a:r>
+              <a:rPr lang="en-US" dirty="0"/>
+              <a:t>Fallback – when input not matched by already exist intent</a:t>
+            </a:r>
+          </a:p>
+          <a:p>
+            <a:endParaRPr lang="en-US" dirty="0"/>
+          </a:p>
+        </p:txBody>
+      </p:sp>
+      <p:sp>
+        <p:nvSpPr>
+          <p:cNvPr id="4" name="슬라이드 번호 개체 틀 3"/>
+          <p:cNvSpPr>
+            <a:spLocks noGrp="1"/>
+          </p:cNvSpPr>
+          <p:nvPr>
+            <p:ph type="sldNum" sz="quarter" idx="10"/>
+          </p:nvPr>
+        </p:nvSpPr>
+        <p:spPr/>
+        <p:txBody>
+          <a:bodyPr/>
+          <a:lstStyle/>
+          <a:p>
+            <a:fld id="{772745C2-B5F1-4B10-8C0E-DEBCE2EB7236}" type="slidenum">
+              <a:rPr lang="en-US" smtClean="0"/>
+              <a:t>5</a:t>
+            </a:fld>
+            <a:endParaRPr lang="en-US"/>
+          </a:p>
+        </p:txBody>
+      </p:sp>
+    </p:spTree>
+    <p:extLst>
+      <p:ext uri="{BB962C8B-B14F-4D97-AF65-F5344CB8AC3E}">
+        <p14:creationId xmlns:p14="http://schemas.microsoft.com/office/powerpoint/2010/main" val="4043845704"/>
+      </p:ext>
+    </p:extLst>
+  </p:cSld>
+  <p:clrMapOvr>
+    <a:masterClrMapping/>
+  </p:clrMapOvr>
+</p:notes>
+</file>
+
 <file path=ppt/slideLayouts/slideLayout1.xml><?xml version="1.0" encoding="utf-8"?>
 <p:sldLayout xmlns:a="http://schemas.openxmlformats.org/drawingml/2006/main" xmlns:r="http://schemas.openxmlformats.org/officeDocument/2006/relationships" xmlns:p="http://schemas.openxmlformats.org/presentationml/2006/main" type="title" preserve="1">
   <p:cSld name="제목 슬라이드">
@@ -717,7 +976,7 @@
           <a:p>
             <a:fld id="{0D913C1F-5111-45C8-8646-4E60C4FCFD33}" type="datetime1">
               <a:rPr lang="en-US" smtClean="0"/>
-              <a:t>7/25/2017</a:t>
+              <a:t>7/27/2017</a:t>
             </a:fld>
             <a:endParaRPr lang="en-US"/>
           </a:p>
@@ -892,7 +1151,7 @@
           <a:p>
             <a:fld id="{D3A57730-C926-45F0-9361-C8E6CC7EFAB1}" type="datetime1">
               <a:rPr lang="en-US" smtClean="0"/>
-              <a:t>7/25/2017</a:t>
+              <a:t>7/27/2017</a:t>
             </a:fld>
             <a:endParaRPr lang="en-US"/>
           </a:p>
@@ -1072,7 +1331,7 @@
           <a:p>
             <a:fld id="{72F94769-6EA4-484E-8E33-A5D2CCD7F3B4}" type="datetime1">
               <a:rPr lang="en-US" smtClean="0"/>
-              <a:t>7/25/2017</a:t>
+              <a:t>7/27/2017</a:t>
             </a:fld>
             <a:endParaRPr lang="en-US"/>
           </a:p>
@@ -1242,7 +1501,7 @@
           <a:p>
             <a:fld id="{875CDD8C-CF5A-4DB3-98F8-3A2639B39FE9}" type="datetime1">
               <a:rPr lang="en-US" smtClean="0"/>
-              <a:t>7/25/2017</a:t>
+              <a:t>7/27/2017</a:t>
             </a:fld>
             <a:endParaRPr lang="en-US"/>
           </a:p>
@@ -1510,7 +1769,7 @@
           <a:p>
             <a:fld id="{73567B6B-69B5-4721-8DDE-4EEC9B6DCE0D}" type="datetime1">
               <a:rPr lang="en-US" smtClean="0"/>
-              <a:t>7/25/2017</a:t>
+              <a:t>7/27/2017</a:t>
             </a:fld>
             <a:endParaRPr lang="en-US"/>
           </a:p>
@@ -1742,7 +2001,7 @@
           <a:p>
             <a:fld id="{98DD2B97-22CE-4922-9B75-1DD88489AFD6}" type="datetime1">
               <a:rPr lang="en-US" smtClean="0"/>
-              <a:t>7/25/2017</a:t>
+              <a:t>7/27/2017</a:t>
             </a:fld>
             <a:endParaRPr lang="en-US"/>
           </a:p>
@@ -2101,7 +2360,7 @@
           <a:p>
             <a:fld id="{71335CB9-B160-4C99-9B3C-64E62B2B8AA1}" type="datetime1">
               <a:rPr lang="en-US" smtClean="0"/>
-              <a:t>7/25/2017</a:t>
+              <a:t>7/27/2017</a:t>
             </a:fld>
             <a:endParaRPr lang="en-US"/>
           </a:p>
@@ -2242,7 +2501,7 @@
           <a:p>
             <a:fld id="{AB5FD2A9-980D-4792-8107-6837CF22CACC}" type="datetime1">
               <a:rPr lang="en-US" smtClean="0"/>
-              <a:t>7/25/2017</a:t>
+              <a:t>7/27/2017</a:t>
             </a:fld>
             <a:endParaRPr lang="en-US"/>
           </a:p>
@@ -2337,7 +2596,7 @@
           <a:p>
             <a:fld id="{AE49ADA3-5F6C-44F2-923F-B96DDB41268F}" type="datetime1">
               <a:rPr lang="en-US" smtClean="0"/>
-              <a:t>7/25/2017</a:t>
+              <a:t>7/27/2017</a:t>
             </a:fld>
             <a:endParaRPr lang="en-US"/>
           </a:p>
@@ -2694,7 +2953,7 @@
           <a:p>
             <a:fld id="{CD641920-CFA1-454E-AD47-3EEEB5605BD0}" type="datetime1">
               <a:rPr lang="en-US" smtClean="0"/>
-              <a:t>7/25/2017</a:t>
+              <a:t>7/27/2017</a:t>
             </a:fld>
             <a:endParaRPr lang="en-US"/>
           </a:p>
@@ -3051,7 +3310,7 @@
           <a:p>
             <a:fld id="{F3A5C466-8A77-4A43-A9E6-B875AC354BDD}" type="datetime1">
               <a:rPr lang="en-US" smtClean="0"/>
-              <a:t>7/25/2017</a:t>
+              <a:t>7/27/2017</a:t>
             </a:fld>
             <a:endParaRPr lang="en-US"/>
           </a:p>
@@ -3292,7 +3551,7 @@
           <a:p>
             <a:fld id="{8C1F079E-EE37-4F70-8A6F-71D0624FBE44}" type="datetime1">
               <a:rPr lang="en-US" smtClean="0"/>
-              <a:t>7/25/2017</a:t>
+              <a:t>7/27/2017</a:t>
             </a:fld>
             <a:endParaRPr lang="en-US"/>
           </a:p>
@@ -3874,6 +4133,16 @@
 <file path=ppt/slides/slide2.xml><?xml version="1.0" encoding="utf-8"?>
 <p:sld xmlns:a="http://schemas.openxmlformats.org/drawingml/2006/main" xmlns:r="http://schemas.openxmlformats.org/officeDocument/2006/relationships" xmlns:p="http://schemas.openxmlformats.org/presentationml/2006/main">
   <p:cSld>
+    <p:bg>
+      <p:bgPr>
+        <a:solidFill>
+          <a:schemeClr val="bg1">
+            <a:lumMod val="95000"/>
+          </a:schemeClr>
+        </a:solidFill>
+        <a:effectLst/>
+      </p:bgPr>
+    </p:bg>
     <p:spTree>
       <p:nvGrpSpPr>
         <p:cNvPr id="1" name=""/>
@@ -3888,6 +4157,135 @@
           <a:chExt cx="0" cy="0"/>
         </a:xfrm>
       </p:grpSpPr>
+      <p:pic>
+        <p:nvPicPr>
+          <p:cNvPr id="6" name="그림 5">
+            <a:extLst>
+              <a:ext uri="{FF2B5EF4-FFF2-40B4-BE49-F238E27FC236}">
+                <a16:creationId xmlns:a16="http://schemas.microsoft.com/office/drawing/2014/main" id="{33078653-1262-4785-AB33-34B13EDF9C66}"/>
+              </a:ext>
+            </a:extLst>
+          </p:cNvPr>
+          <p:cNvPicPr>
+            <a:picLocks noChangeAspect="1"/>
+          </p:cNvPicPr>
+          <p:nvPr/>
+        </p:nvPicPr>
+        <p:blipFill>
+          <a:blip r:embed="rId2"/>
+          <a:stretch>
+            <a:fillRect/>
+          </a:stretch>
+        </p:blipFill>
+        <p:spPr>
+          <a:xfrm>
+            <a:off x="771984" y="3377509"/>
+            <a:ext cx="3771093" cy="2734043"/>
+          </a:xfrm>
+          <a:prstGeom prst="rect">
+            <a:avLst/>
+          </a:prstGeom>
+        </p:spPr>
+      </p:pic>
+      <p:sp>
+        <p:nvSpPr>
+          <p:cNvPr id="71" name="Rectangle 70"/>
+          <p:cNvSpPr>
+            <a:spLocks noGrp="1" noRot="1" noChangeAspect="1" noMove="1" noResize="1" noEditPoints="1" noAdjustHandles="1" noChangeArrowheads="1" noChangeShapeType="1" noTextEdit="1"/>
+          </p:cNvSpPr>
+          <p:nvPr>
+            <p:extLst>
+              <p:ext uri="{386F3935-93C4-4BCD-93E2-E3B085C9AB24}">
+                <p16:designElem xmlns:p16="http://schemas.microsoft.com/office/powerpoint/2015/main" val="1"/>
+              </p:ext>
+            </p:extLst>
+          </p:nvPr>
+        </p:nvSpPr>
+        <p:spPr>
+          <a:xfrm>
+            <a:off x="5315061" y="-2"/>
+            <a:ext cx="6876939" cy="6858002"/>
+          </a:xfrm>
+          <a:prstGeom prst="rect">
+            <a:avLst/>
+          </a:prstGeom>
+          <a:solidFill>
+            <a:schemeClr val="accent2"/>
+          </a:solidFill>
+          <a:ln>
+            <a:noFill/>
+          </a:ln>
+        </p:spPr>
+        <p:style>
+          <a:lnRef idx="2">
+            <a:schemeClr val="accent1">
+              <a:shade val="50000"/>
+            </a:schemeClr>
+          </a:lnRef>
+          <a:fillRef idx="1">
+            <a:schemeClr val="accent1"/>
+          </a:fillRef>
+          <a:effectRef idx="0">
+            <a:schemeClr val="accent1"/>
+          </a:effectRef>
+          <a:fontRef idx="minor">
+            <a:schemeClr val="lt1"/>
+          </a:fontRef>
+        </p:style>
+        <p:txBody>
+          <a:bodyPr rtlCol="0" anchor="ctr"/>
+          <a:lstStyle/>
+          <a:p>
+            <a:pPr algn="ctr"/>
+            <a:endParaRPr lang="en-US"/>
+          </a:p>
+        </p:txBody>
+      </p:sp>
+      <p:pic>
+        <p:nvPicPr>
+          <p:cNvPr id="1026" name="Picture 2" descr="https://res.cloudinary.com/crunchbase-production/image/upload/v1422021886/kixmf5uejurno2j4resu.png">
+            <a:extLst>
+              <a:ext uri="{FF2B5EF4-FFF2-40B4-BE49-F238E27FC236}">
+                <a16:creationId xmlns:a16="http://schemas.microsoft.com/office/drawing/2014/main" id="{80FBCDD5-7AD3-46DE-89CA-F76CF6B8CFF1}"/>
+              </a:ext>
+            </a:extLst>
+          </p:cNvPr>
+          <p:cNvPicPr>
+            <a:picLocks noChangeAspect="1" noChangeArrowheads="1"/>
+          </p:cNvPicPr>
+          <p:nvPr/>
+        </p:nvPicPr>
+        <p:blipFill rotWithShape="1">
+          <a:blip r:embed="rId3">
+            <a:extLst>
+              <a:ext uri="{28A0092B-C50C-407E-A947-70E740481C1C}">
+                <a14:useLocalDpi xmlns:a14="http://schemas.microsoft.com/office/drawing/2010/main" val="0"/>
+              </a:ext>
+            </a:extLst>
+          </a:blip>
+          <a:srcRect l="16771" t="27680" r="16575" b="28451"/>
+          <a:stretch/>
+        </p:blipFill>
+        <p:spPr bwMode="auto">
+          <a:xfrm>
+            <a:off x="321733" y="1295535"/>
+            <a:ext cx="4671595" cy="1760241"/>
+          </a:xfrm>
+          <a:prstGeom prst="rect">
+            <a:avLst/>
+          </a:prstGeom>
+          <a:noFill/>
+          <a:extLst>
+            <a:ext uri="{909E8E84-426E-40DD-AFC4-6F175D3DCCD1}">
+              <a14:hiddenFill xmlns:a14="http://schemas.microsoft.com/office/drawing/2010/main">
+                <a:solidFill>
+                  <a:srgbClr val="FFFFFF"/>
+                </a:solidFill>
+              </a14:hiddenFill>
+            </a:ext>
+          </a:extLst>
+        </p:spPr>
+      </p:pic>
       <p:sp>
         <p:nvSpPr>
           <p:cNvPr id="2" name="제목 1">
@@ -3904,12 +4302,30 @@
             <p:ph type="title"/>
           </p:nvPr>
         </p:nvSpPr>
-        <p:spPr/>
-        <p:txBody>
-          <a:bodyPr/>
-          <a:lstStyle/>
-          <a:p>
-            <a:endParaRPr lang="en-US"/>
+        <p:spPr>
+          <a:xfrm>
+            <a:off x="6119732" y="1290025"/>
+            <a:ext cx="5291327" cy="1188720"/>
+          </a:xfrm>
+          <a:solidFill>
+            <a:srgbClr val="FFFFFF"/>
+          </a:solidFill>
+          <a:ln>
+            <a:solidFill>
+              <a:srgbClr val="404040"/>
+            </a:solidFill>
+          </a:ln>
+        </p:spPr>
+        <p:txBody>
+          <a:bodyPr>
+            <a:normAutofit/>
+          </a:bodyPr>
+          <a:lstStyle/>
+          <a:p>
+            <a:r>
+              <a:rPr lang="en-US" dirty="0"/>
+              <a:t>API.AI</a:t>
+            </a:r>
           </a:p>
         </p:txBody>
       </p:sp>
@@ -3929,21 +4345,65 @@
             <p:ph idx="1"/>
           </p:nvPr>
         </p:nvSpPr>
-        <p:spPr/>
-        <p:txBody>
-          <a:bodyPr/>
-          <a:lstStyle/>
-          <a:p>
-            <a:endParaRPr lang="en-US"/>
-          </a:p>
-        </p:txBody>
-      </p:sp>
-      <p:sp>
-        <p:nvSpPr>
-          <p:cNvPr id="4" name="슬라이드 번호 개체 틀 3">
+        <p:spPr>
+          <a:xfrm>
+            <a:off x="6119732" y="2858703"/>
+            <a:ext cx="5285791" cy="3042547"/>
+          </a:xfrm>
+        </p:spPr>
+        <p:txBody>
+          <a:bodyPr>
+            <a:normAutofit/>
+          </a:bodyPr>
+          <a:lstStyle/>
+          <a:p>
+            <a:r>
+              <a:rPr lang="en-US" dirty="0">
+                <a:solidFill>
+                  <a:srgbClr val="FFFFFF"/>
+                </a:solidFill>
+              </a:rPr>
+              <a:t>Can process natural language</a:t>
+            </a:r>
+          </a:p>
+          <a:p>
+            <a:r>
+              <a:rPr lang="en-US" dirty="0">
+                <a:solidFill>
+                  <a:srgbClr val="FFFFFF"/>
+                </a:solidFill>
+              </a:rPr>
+              <a:t>Use machine learning (analyze user’s intent)</a:t>
+            </a:r>
+          </a:p>
+          <a:p>
+            <a:r>
+              <a:rPr lang="en-US" dirty="0">
+                <a:solidFill>
+                  <a:srgbClr val="FFFFFF"/>
+                </a:solidFill>
+              </a:rPr>
+              <a:t>Can apply to many platform</a:t>
+            </a:r>
+          </a:p>
+          <a:p>
+            <a:r>
+              <a:rPr lang="en-US" dirty="0">
+                <a:solidFill>
+                  <a:srgbClr val="FFFFFF"/>
+                </a:solidFill>
+              </a:rPr>
+              <a:t>Easy to add/edit conversation</a:t>
+            </a:r>
+          </a:p>
+        </p:txBody>
+      </p:sp>
+      <p:sp>
+        <p:nvSpPr>
+          <p:cNvPr id="9" name="슬라이드 번호 개체 틀 3">
             <a:extLst>
               <a:ext uri="{FF2B5EF4-FFF2-40B4-BE49-F238E27FC236}">
-                <a16:creationId xmlns:a16="http://schemas.microsoft.com/office/drawing/2014/main" id="{D28DB2EC-2D64-4FE9-9C09-E9EA8BC269B6}"/>
+                <a16:creationId xmlns:a16="http://schemas.microsoft.com/office/drawing/2014/main" id="{33E406FC-AE0F-4264-9888-0358AABBAEF9}"/>
               </a:ext>
             </a:extLst>
           </p:cNvPr>
@@ -3954,7 +4414,12 @@
             <p:ph type="sldNum" sz="quarter" idx="12"/>
           </p:nvPr>
         </p:nvSpPr>
-        <p:spPr/>
+        <p:spPr>
+          <a:xfrm>
+            <a:off x="11704320" y="6400800"/>
+            <a:ext cx="365760" cy="365760"/>
+          </a:xfrm>
+        </p:spPr>
         <p:txBody>
           <a:bodyPr/>
           <a:lstStyle/>
@@ -3963,7 +4428,7 @@
               <a:rPr lang="en-US" smtClean="0"/>
               <a:t>2</a:t>
             </a:fld>
-            <a:endParaRPr lang="en-US"/>
+            <a:endParaRPr lang="en-US" dirty="0"/>
           </a:p>
         </p:txBody>
       </p:sp>
@@ -3971,6 +4436,961 @@
     <p:extLst>
       <p:ext uri="{BB962C8B-B14F-4D97-AF65-F5344CB8AC3E}">
         <p14:creationId xmlns:p14="http://schemas.microsoft.com/office/powerpoint/2010/main" val="1091391866"/>
+      </p:ext>
+    </p:extLst>
+  </p:cSld>
+  <p:clrMapOvr>
+    <a:masterClrMapping/>
+  </p:clrMapOvr>
+</p:sld>
+</file>
+
+<file path=ppt/slides/slide3.xml><?xml version="1.0" encoding="utf-8"?>
+<p:sld xmlns:a="http://schemas.openxmlformats.org/drawingml/2006/main" xmlns:r="http://schemas.openxmlformats.org/officeDocument/2006/relationships" xmlns:p="http://schemas.openxmlformats.org/presentationml/2006/main">
+  <p:cSld>
+    <p:spTree>
+      <p:nvGrpSpPr>
+        <p:cNvPr id="1" name=""/>
+        <p:cNvGrpSpPr/>
+        <p:nvPr/>
+      </p:nvGrpSpPr>
+      <p:grpSpPr>
+        <a:xfrm>
+          <a:off x="0" y="0"/>
+          <a:ext cx="0" cy="0"/>
+          <a:chOff x="0" y="0"/>
+          <a:chExt cx="0" cy="0"/>
+        </a:xfrm>
+      </p:grpSpPr>
+      <p:sp>
+        <p:nvSpPr>
+          <p:cNvPr id="2056" name="Rectangle 2055"/>
+          <p:cNvSpPr>
+            <a:spLocks noGrp="1" noRot="1" noChangeAspect="1" noMove="1" noResize="1" noEditPoints="1" noAdjustHandles="1" noChangeArrowheads="1" noChangeShapeType="1" noTextEdit="1"/>
+          </p:cNvSpPr>
+          <p:nvPr>
+            <p:extLst>
+              <p:ext uri="{386F3935-93C4-4BCD-93E2-E3B085C9AB24}">
+                <p16:designElem xmlns:p16="http://schemas.microsoft.com/office/powerpoint/2015/main" val="1"/>
+              </p:ext>
+            </p:extLst>
+          </p:nvPr>
+        </p:nvSpPr>
+        <p:spPr bwMode="white">
+          <a:xfrm>
+            <a:off x="0" y="0"/>
+            <a:ext cx="12192000" cy="6858000"/>
+          </a:xfrm>
+          <a:prstGeom prst="rect">
+            <a:avLst/>
+          </a:prstGeom>
+          <a:solidFill>
+            <a:schemeClr val="bg1"/>
+          </a:solidFill>
+          <a:ln>
+            <a:noFill/>
+          </a:ln>
+          <a:effectLst/>
+        </p:spPr>
+      </p:sp>
+      <p:sp useBgFill="1">
+        <p:nvSpPr>
+          <p:cNvPr id="74" name="Rectangle 73"/>
+          <p:cNvSpPr>
+            <a:spLocks noGrp="1" noRot="1" noChangeAspect="1" noMove="1" noResize="1" noEditPoints="1" noAdjustHandles="1" noChangeArrowheads="1" noChangeShapeType="1" noTextEdit="1"/>
+          </p:cNvSpPr>
+          <p:nvPr>
+            <p:extLst>
+              <p:ext uri="{386F3935-93C4-4BCD-93E2-E3B085C9AB24}">
+                <p16:designElem xmlns:p16="http://schemas.microsoft.com/office/powerpoint/2015/main" val="1"/>
+              </p:ext>
+            </p:extLst>
+          </p:nvPr>
+        </p:nvSpPr>
+        <p:spPr>
+          <a:xfrm>
+            <a:off x="0" y="0"/>
+            <a:ext cx="12191999" cy="6858000"/>
+          </a:xfrm>
+          <a:prstGeom prst="rect">
+            <a:avLst/>
+          </a:prstGeom>
+          <a:ln>
+            <a:noFill/>
+          </a:ln>
+        </p:spPr>
+        <p:style>
+          <a:lnRef idx="2">
+            <a:schemeClr val="accent1">
+              <a:shade val="50000"/>
+            </a:schemeClr>
+          </a:lnRef>
+          <a:fillRef idx="1">
+            <a:schemeClr val="accent1"/>
+          </a:fillRef>
+          <a:effectRef idx="0">
+            <a:schemeClr val="accent1"/>
+          </a:effectRef>
+          <a:fontRef idx="minor">
+            <a:schemeClr val="lt1"/>
+          </a:fontRef>
+        </p:style>
+        <p:txBody>
+          <a:bodyPr rtlCol="0" anchor="ctr"/>
+          <a:lstStyle/>
+          <a:p>
+            <a:pPr algn="ctr"/>
+            <a:endParaRPr lang="en-US"/>
+          </a:p>
+        </p:txBody>
+      </p:sp>
+      <p:sp>
+        <p:nvSpPr>
+          <p:cNvPr id="76" name="Rectangle 75"/>
+          <p:cNvSpPr>
+            <a:spLocks noGrp="1" noRot="1" noChangeAspect="1" noMove="1" noResize="1" noEditPoints="1" noAdjustHandles="1" noChangeArrowheads="1" noChangeShapeType="1" noTextEdit="1"/>
+          </p:cNvSpPr>
+          <p:nvPr>
+            <p:extLst>
+              <p:ext uri="{386F3935-93C4-4BCD-93E2-E3B085C9AB24}">
+                <p16:designElem xmlns:p16="http://schemas.microsoft.com/office/powerpoint/2015/main" val="1"/>
+              </p:ext>
+            </p:extLst>
+          </p:nvPr>
+        </p:nvSpPr>
+        <p:spPr>
+          <a:xfrm>
+            <a:off x="1" y="1"/>
+            <a:ext cx="4654296" cy="6858000"/>
+          </a:xfrm>
+          <a:prstGeom prst="rect">
+            <a:avLst/>
+          </a:prstGeom>
+          <a:solidFill>
+            <a:schemeClr val="accent2"/>
+          </a:solidFill>
+          <a:ln>
+            <a:noFill/>
+          </a:ln>
+        </p:spPr>
+        <p:style>
+          <a:lnRef idx="2">
+            <a:schemeClr val="accent1">
+              <a:shade val="50000"/>
+            </a:schemeClr>
+          </a:lnRef>
+          <a:fillRef idx="1">
+            <a:schemeClr val="accent1"/>
+          </a:fillRef>
+          <a:effectRef idx="0">
+            <a:schemeClr val="accent1"/>
+          </a:effectRef>
+          <a:fontRef idx="minor">
+            <a:schemeClr val="lt1"/>
+          </a:fontRef>
+        </p:style>
+        <p:txBody>
+          <a:bodyPr rtlCol="0" anchor="ctr"/>
+          <a:lstStyle/>
+          <a:p>
+            <a:pPr algn="ctr"/>
+            <a:endParaRPr lang="en-US"/>
+          </a:p>
+        </p:txBody>
+      </p:sp>
+      <p:pic>
+        <p:nvPicPr>
+          <p:cNvPr id="2053" name="Picture 2" descr="https://api.ai/docs/images/overview/agents/agents-001.png">
+            <a:extLst>
+              <a:ext uri="{FF2B5EF4-FFF2-40B4-BE49-F238E27FC236}">
+                <a16:creationId xmlns:a16="http://schemas.microsoft.com/office/drawing/2014/main" id="{2E9696F4-14BB-4501-9D51-4FE944519D2A}"/>
+              </a:ext>
+            </a:extLst>
+          </p:cNvPr>
+          <p:cNvPicPr>
+            <a:picLocks noGrp="1" noChangeAspect="1" noChangeArrowheads="1"/>
+          </p:cNvPicPr>
+          <p:nvPr>
+            <p:ph idx="1"/>
+          </p:nvPr>
+        </p:nvPicPr>
+        <p:blipFill>
+          <a:blip r:embed="rId2">
+            <a:extLst>
+              <a:ext uri="{28A0092B-C50C-407E-A947-70E740481C1C}">
+                <a14:useLocalDpi xmlns:a14="http://schemas.microsoft.com/office/drawing/2010/main" val="0"/>
+              </a:ext>
+            </a:extLst>
+          </a:blip>
+          <a:srcRect/>
+          <a:stretch>
+            <a:fillRect/>
+          </a:stretch>
+        </p:blipFill>
+        <p:spPr bwMode="auto">
+          <a:xfrm>
+            <a:off x="5409059" y="640080"/>
+            <a:ext cx="6028177" cy="5263134"/>
+          </a:xfrm>
+          <a:prstGeom prst="rect">
+            <a:avLst/>
+          </a:prstGeom>
+          <a:noFill/>
+          <a:extLst>
+            <a:ext uri="{909E8E84-426E-40DD-AFC4-6F175D3DCCD1}">
+              <a14:hiddenFill xmlns:a14="http://schemas.microsoft.com/office/drawing/2010/main">
+                <a:solidFill>
+                  <a:srgbClr val="FFFFFF"/>
+                </a:solidFill>
+              </a14:hiddenFill>
+            </a:ext>
+          </a:extLst>
+        </p:spPr>
+      </p:pic>
+      <p:sp>
+        <p:nvSpPr>
+          <p:cNvPr id="2" name="제목 1">
+            <a:extLst>
+              <a:ext uri="{FF2B5EF4-FFF2-40B4-BE49-F238E27FC236}">
+                <a16:creationId xmlns:a16="http://schemas.microsoft.com/office/drawing/2014/main" id="{4BB77023-95D9-41AE-9E2F-6A007329B9C0}"/>
+              </a:ext>
+            </a:extLst>
+          </p:cNvPr>
+          <p:cNvSpPr>
+            <a:spLocks noGrp="1"/>
+          </p:cNvSpPr>
+          <p:nvPr>
+            <p:ph type="title"/>
+          </p:nvPr>
+        </p:nvSpPr>
+        <p:spPr>
+          <a:xfrm>
+            <a:off x="804672" y="2404872"/>
+            <a:ext cx="3044950" cy="1627792"/>
+          </a:xfrm>
+        </p:spPr>
+        <p:txBody>
+          <a:bodyPr vert="horz" lIns="274320" tIns="182880" rIns="274320" bIns="182880" rtlCol="0" anchor="ctr" anchorCtr="1">
+            <a:normAutofit/>
+          </a:bodyPr>
+          <a:lstStyle/>
+          <a:p>
+            <a:r>
+              <a:rPr lang="en-US" dirty="0"/>
+              <a:t>Create Agent</a:t>
+            </a:r>
+          </a:p>
+        </p:txBody>
+      </p:sp>
+      <p:sp>
+        <p:nvSpPr>
+          <p:cNvPr id="10" name="슬라이드 번호 개체 틀 3">
+            <a:extLst>
+              <a:ext uri="{FF2B5EF4-FFF2-40B4-BE49-F238E27FC236}">
+                <a16:creationId xmlns:a16="http://schemas.microsoft.com/office/drawing/2014/main" id="{DEBDA95E-ACD9-414F-9333-484D46E93303}"/>
+              </a:ext>
+            </a:extLst>
+          </p:cNvPr>
+          <p:cNvSpPr>
+            <a:spLocks noGrp="1"/>
+          </p:cNvSpPr>
+          <p:nvPr>
+            <p:ph type="sldNum" sz="quarter" idx="12"/>
+          </p:nvPr>
+        </p:nvSpPr>
+        <p:spPr>
+          <a:xfrm>
+            <a:off x="11704320" y="6400800"/>
+            <a:ext cx="365760" cy="365760"/>
+          </a:xfrm>
+        </p:spPr>
+        <p:txBody>
+          <a:bodyPr/>
+          <a:lstStyle/>
+          <a:p>
+            <a:fld id="{8B9A499C-E7AC-4E74-9635-A20519089A3A}" type="slidenum">
+              <a:rPr lang="en-US" smtClean="0"/>
+              <a:t>3</a:t>
+            </a:fld>
+            <a:endParaRPr lang="en-US" dirty="0"/>
+          </a:p>
+        </p:txBody>
+      </p:sp>
+      <p:sp>
+        <p:nvSpPr>
+          <p:cNvPr id="3" name="TextBox 2">
+            <a:extLst>
+              <a:ext uri="{FF2B5EF4-FFF2-40B4-BE49-F238E27FC236}">
+                <a16:creationId xmlns:a16="http://schemas.microsoft.com/office/drawing/2014/main" id="{4154CE48-F718-42CC-A6C9-EBDBD071BA5A}"/>
+              </a:ext>
+            </a:extLst>
+          </p:cNvPr>
+          <p:cNvSpPr txBox="1"/>
+          <p:nvPr/>
+        </p:nvSpPr>
+        <p:spPr>
+          <a:xfrm>
+            <a:off x="6033909" y="5147189"/>
+            <a:ext cx="4778477" cy="369332"/>
+          </a:xfrm>
+          <a:prstGeom prst="rect">
+            <a:avLst/>
+          </a:prstGeom>
+          <a:noFill/>
+        </p:spPr>
+        <p:txBody>
+          <a:bodyPr wrap="square" rtlCol="0">
+            <a:spAutoFit/>
+          </a:bodyPr>
+          <a:lstStyle/>
+          <a:p>
+            <a:r>
+              <a:rPr lang="en-US" b="1" dirty="0"/>
+              <a:t>We are NOT going to use Google project.</a:t>
+            </a:r>
+          </a:p>
+        </p:txBody>
+      </p:sp>
+    </p:spTree>
+    <p:extLst>
+      <p:ext uri="{BB962C8B-B14F-4D97-AF65-F5344CB8AC3E}">
+        <p14:creationId xmlns:p14="http://schemas.microsoft.com/office/powerpoint/2010/main" val="844414239"/>
+      </p:ext>
+    </p:extLst>
+  </p:cSld>
+  <p:clrMapOvr>
+    <a:masterClrMapping/>
+  </p:clrMapOvr>
+</p:sld>
+</file>
+
+<file path=ppt/slides/slide4.xml><?xml version="1.0" encoding="utf-8"?>
+<p:sld xmlns:a="http://schemas.openxmlformats.org/drawingml/2006/main" xmlns:r="http://schemas.openxmlformats.org/officeDocument/2006/relationships" xmlns:p="http://schemas.openxmlformats.org/presentationml/2006/main">
+  <p:cSld>
+    <p:spTree>
+      <p:nvGrpSpPr>
+        <p:cNvPr id="1" name=""/>
+        <p:cNvGrpSpPr/>
+        <p:nvPr/>
+      </p:nvGrpSpPr>
+      <p:grpSpPr>
+        <a:xfrm>
+          <a:off x="0" y="0"/>
+          <a:ext cx="0" cy="0"/>
+          <a:chOff x="0" y="0"/>
+          <a:chExt cx="0" cy="0"/>
+        </a:xfrm>
+      </p:grpSpPr>
+      <p:sp>
+        <p:nvSpPr>
+          <p:cNvPr id="2" name="제목 1">
+            <a:extLst>
+              <a:ext uri="{FF2B5EF4-FFF2-40B4-BE49-F238E27FC236}">
+                <a16:creationId xmlns:a16="http://schemas.microsoft.com/office/drawing/2014/main" id="{F0BF0C2D-3A47-40D8-9DBC-91DDE56D6F1A}"/>
+              </a:ext>
+            </a:extLst>
+          </p:cNvPr>
+          <p:cNvSpPr>
+            <a:spLocks noGrp="1"/>
+          </p:cNvSpPr>
+          <p:nvPr>
+            <p:ph type="title"/>
+          </p:nvPr>
+        </p:nvSpPr>
+        <p:spPr>
+          <a:xfrm>
+            <a:off x="2231136" y="964692"/>
+            <a:ext cx="7729728" cy="1188720"/>
+          </a:xfrm>
+        </p:spPr>
+        <p:txBody>
+          <a:bodyPr/>
+          <a:lstStyle/>
+          <a:p>
+            <a:r>
+              <a:rPr lang="en-US" dirty="0"/>
+              <a:t>Create Intent</a:t>
+            </a:r>
+          </a:p>
+        </p:txBody>
+      </p:sp>
+      <p:pic>
+        <p:nvPicPr>
+          <p:cNvPr id="5" name="내용 개체 틀 4">
+            <a:extLst>
+              <a:ext uri="{FF2B5EF4-FFF2-40B4-BE49-F238E27FC236}">
+                <a16:creationId xmlns:a16="http://schemas.microsoft.com/office/drawing/2014/main" id="{B067D6F1-A583-4369-91B5-A15C328BDD78}"/>
+              </a:ext>
+            </a:extLst>
+          </p:cNvPr>
+          <p:cNvPicPr>
+            <a:picLocks noGrp="1" noChangeAspect="1"/>
+          </p:cNvPicPr>
+          <p:nvPr>
+            <p:ph idx="1"/>
+          </p:nvPr>
+        </p:nvPicPr>
+        <p:blipFill>
+          <a:blip r:embed="rId3"/>
+          <a:stretch>
+            <a:fillRect/>
+          </a:stretch>
+        </p:blipFill>
+        <p:spPr>
+          <a:xfrm>
+            <a:off x="541624" y="2505690"/>
+            <a:ext cx="6507254" cy="3101975"/>
+          </a:xfrm>
+          <a:prstGeom prst="rect">
+            <a:avLst/>
+          </a:prstGeom>
+        </p:spPr>
+      </p:pic>
+      <p:sp>
+        <p:nvSpPr>
+          <p:cNvPr id="4" name="슬라이드 번호 개체 틀 3">
+            <a:extLst>
+              <a:ext uri="{FF2B5EF4-FFF2-40B4-BE49-F238E27FC236}">
+                <a16:creationId xmlns:a16="http://schemas.microsoft.com/office/drawing/2014/main" id="{2653018E-39A0-4A4D-929F-E00A95DE93D5}"/>
+              </a:ext>
+            </a:extLst>
+          </p:cNvPr>
+          <p:cNvSpPr>
+            <a:spLocks noGrp="1"/>
+          </p:cNvSpPr>
+          <p:nvPr>
+            <p:ph type="sldNum" sz="quarter" idx="12"/>
+          </p:nvPr>
+        </p:nvSpPr>
+        <p:spPr/>
+        <p:txBody>
+          <a:bodyPr/>
+          <a:lstStyle/>
+          <a:p>
+            <a:fld id="{8B9A499C-E7AC-4E74-9635-A20519089A3A}" type="slidenum">
+              <a:rPr lang="en-US" smtClean="0"/>
+              <a:t>4</a:t>
+            </a:fld>
+            <a:endParaRPr lang="en-US"/>
+          </a:p>
+        </p:txBody>
+      </p:sp>
+      <p:pic>
+        <p:nvPicPr>
+          <p:cNvPr id="6" name="그림 5">
+            <a:extLst>
+              <a:ext uri="{FF2B5EF4-FFF2-40B4-BE49-F238E27FC236}">
+                <a16:creationId xmlns:a16="http://schemas.microsoft.com/office/drawing/2014/main" id="{F46F242C-B852-4F0C-8F27-031207AC7E5C}"/>
+              </a:ext>
+            </a:extLst>
+          </p:cNvPr>
+          <p:cNvPicPr>
+            <a:picLocks noChangeAspect="1"/>
+          </p:cNvPicPr>
+          <p:nvPr/>
+        </p:nvPicPr>
+        <p:blipFill>
+          <a:blip r:embed="rId4"/>
+          <a:stretch>
+            <a:fillRect/>
+          </a:stretch>
+        </p:blipFill>
+        <p:spPr>
+          <a:xfrm>
+            <a:off x="3656693" y="3583858"/>
+            <a:ext cx="3795459" cy="2816942"/>
+          </a:xfrm>
+          <a:prstGeom prst="rect">
+            <a:avLst/>
+          </a:prstGeom>
+        </p:spPr>
+      </p:pic>
+      <p:pic>
+        <p:nvPicPr>
+          <p:cNvPr id="7" name="그림 6">
+            <a:extLst>
+              <a:ext uri="{FF2B5EF4-FFF2-40B4-BE49-F238E27FC236}">
+                <a16:creationId xmlns:a16="http://schemas.microsoft.com/office/drawing/2014/main" id="{4D2D629E-2182-4C2C-BD9F-D4D3F4750508}"/>
+              </a:ext>
+            </a:extLst>
+          </p:cNvPr>
+          <p:cNvPicPr>
+            <a:picLocks noChangeAspect="1"/>
+          </p:cNvPicPr>
+          <p:nvPr/>
+        </p:nvPicPr>
+        <p:blipFill>
+          <a:blip r:embed="rId5"/>
+          <a:stretch>
+            <a:fillRect/>
+          </a:stretch>
+        </p:blipFill>
+        <p:spPr>
+          <a:xfrm>
+            <a:off x="7452152" y="3583858"/>
+            <a:ext cx="3585524" cy="2816942"/>
+          </a:xfrm>
+          <a:prstGeom prst="rect">
+            <a:avLst/>
+          </a:prstGeom>
+        </p:spPr>
+      </p:pic>
+      <p:sp>
+        <p:nvSpPr>
+          <p:cNvPr id="9" name="직사각형 8">
+            <a:extLst>
+              <a:ext uri="{FF2B5EF4-FFF2-40B4-BE49-F238E27FC236}">
+                <a16:creationId xmlns:a16="http://schemas.microsoft.com/office/drawing/2014/main" id="{02887F1B-FF45-4395-9439-D1877A6A1876}"/>
+              </a:ext>
+            </a:extLst>
+          </p:cNvPr>
+          <p:cNvSpPr/>
+          <p:nvPr/>
+        </p:nvSpPr>
+        <p:spPr>
+          <a:xfrm>
+            <a:off x="4967563" y="3610753"/>
+            <a:ext cx="1173719" cy="369332"/>
+          </a:xfrm>
+          <a:prstGeom prst="rect">
+            <a:avLst/>
+          </a:prstGeom>
+        </p:spPr>
+        <p:txBody>
+          <a:bodyPr wrap="none">
+            <a:spAutoFit/>
+          </a:bodyPr>
+          <a:lstStyle/>
+          <a:p>
+            <a:r>
+              <a:rPr lang="en-US" b="1" dirty="0"/>
+              <a:t>Question</a:t>
+            </a:r>
+            <a:endParaRPr lang="en-US" dirty="0"/>
+          </a:p>
+        </p:txBody>
+      </p:sp>
+      <p:sp>
+        <p:nvSpPr>
+          <p:cNvPr id="10" name="직사각형 9">
+            <a:extLst>
+              <a:ext uri="{FF2B5EF4-FFF2-40B4-BE49-F238E27FC236}">
+                <a16:creationId xmlns:a16="http://schemas.microsoft.com/office/drawing/2014/main" id="{86811A6D-81C5-438D-A80C-48D7D475EC5C}"/>
+              </a:ext>
+            </a:extLst>
+          </p:cNvPr>
+          <p:cNvSpPr/>
+          <p:nvPr/>
+        </p:nvSpPr>
+        <p:spPr>
+          <a:xfrm>
+            <a:off x="8744841" y="3610753"/>
+            <a:ext cx="1000146" cy="369332"/>
+          </a:xfrm>
+          <a:prstGeom prst="rect">
+            <a:avLst/>
+          </a:prstGeom>
+        </p:spPr>
+        <p:txBody>
+          <a:bodyPr wrap="none">
+            <a:spAutoFit/>
+          </a:bodyPr>
+          <a:lstStyle/>
+          <a:p>
+            <a:r>
+              <a:rPr lang="en-US" b="1" dirty="0"/>
+              <a:t>Answer</a:t>
+            </a:r>
+            <a:endParaRPr lang="en-US" dirty="0"/>
+          </a:p>
+        </p:txBody>
+      </p:sp>
+    </p:spTree>
+    <p:extLst>
+      <p:ext uri="{BB962C8B-B14F-4D97-AF65-F5344CB8AC3E}">
+        <p14:creationId xmlns:p14="http://schemas.microsoft.com/office/powerpoint/2010/main" val="696778770"/>
+      </p:ext>
+    </p:extLst>
+  </p:cSld>
+  <p:clrMapOvr>
+    <a:masterClrMapping/>
+  </p:clrMapOvr>
+</p:sld>
+</file>
+
+<file path=ppt/slides/slide5.xml><?xml version="1.0" encoding="utf-8"?>
+<p:sld xmlns:a="http://schemas.openxmlformats.org/drawingml/2006/main" xmlns:r="http://schemas.openxmlformats.org/officeDocument/2006/relationships" xmlns:p="http://schemas.openxmlformats.org/presentationml/2006/main">
+  <p:cSld>
+    <p:spTree>
+      <p:nvGrpSpPr>
+        <p:cNvPr id="1" name=""/>
+        <p:cNvGrpSpPr/>
+        <p:nvPr/>
+      </p:nvGrpSpPr>
+      <p:grpSpPr>
+        <a:xfrm>
+          <a:off x="0" y="0"/>
+          <a:ext cx="0" cy="0"/>
+          <a:chOff x="0" y="0"/>
+          <a:chExt cx="0" cy="0"/>
+        </a:xfrm>
+      </p:grpSpPr>
+      <p:sp>
+        <p:nvSpPr>
+          <p:cNvPr id="2" name="제목 1">
+            <a:extLst>
+              <a:ext uri="{FF2B5EF4-FFF2-40B4-BE49-F238E27FC236}">
+                <a16:creationId xmlns:a16="http://schemas.microsoft.com/office/drawing/2014/main" id="{E7ED1EB9-D64E-42CA-AF50-64E90E1C31AA}"/>
+              </a:ext>
+            </a:extLst>
+          </p:cNvPr>
+          <p:cNvSpPr>
+            <a:spLocks noGrp="1"/>
+          </p:cNvSpPr>
+          <p:nvPr>
+            <p:ph type="title"/>
+          </p:nvPr>
+        </p:nvSpPr>
+        <p:spPr>
+          <a:xfrm>
+            <a:off x="1165124" y="964692"/>
+            <a:ext cx="4100050" cy="1188720"/>
+          </a:xfrm>
+        </p:spPr>
+        <p:txBody>
+          <a:bodyPr/>
+          <a:lstStyle/>
+          <a:p>
+            <a:r>
+              <a:rPr lang="en-US" dirty="0"/>
+              <a:t>Match Parameters</a:t>
+            </a:r>
+          </a:p>
+        </p:txBody>
+      </p:sp>
+      <p:pic>
+        <p:nvPicPr>
+          <p:cNvPr id="6" name="내용 개체 틀 5" descr="스크린샷이(가) 표시된 사진&#10;&#10;매우 높은 신뢰도로 생성된 설명">
+            <a:extLst>
+              <a:ext uri="{FF2B5EF4-FFF2-40B4-BE49-F238E27FC236}">
+                <a16:creationId xmlns:a16="http://schemas.microsoft.com/office/drawing/2014/main" id="{FEE2DAB0-3E3B-45F0-B216-3DBF322D8656}"/>
+              </a:ext>
+            </a:extLst>
+          </p:cNvPr>
+          <p:cNvPicPr>
+            <a:picLocks noGrp="1" noChangeAspect="1"/>
+          </p:cNvPicPr>
+          <p:nvPr>
+            <p:ph idx="1"/>
+          </p:nvPr>
+        </p:nvPicPr>
+        <p:blipFill>
+          <a:blip r:embed="rId3">
+            <a:extLst>
+              <a:ext uri="{28A0092B-C50C-407E-A947-70E740481C1C}">
+                <a14:useLocalDpi xmlns:a14="http://schemas.microsoft.com/office/drawing/2010/main" val="0"/>
+              </a:ext>
+            </a:extLst>
+          </a:blip>
+          <a:stretch>
+            <a:fillRect/>
+          </a:stretch>
+        </p:blipFill>
+        <p:spPr>
+          <a:xfrm>
+            <a:off x="6619394" y="964692"/>
+            <a:ext cx="4778405" cy="5439147"/>
+          </a:xfrm>
+        </p:spPr>
+      </p:pic>
+      <p:sp>
+        <p:nvSpPr>
+          <p:cNvPr id="4" name="슬라이드 번호 개체 틀 3">
+            <a:extLst>
+              <a:ext uri="{FF2B5EF4-FFF2-40B4-BE49-F238E27FC236}">
+                <a16:creationId xmlns:a16="http://schemas.microsoft.com/office/drawing/2014/main" id="{083DB444-71F0-42FD-A3EC-1190E6E3F1FC}"/>
+              </a:ext>
+            </a:extLst>
+          </p:cNvPr>
+          <p:cNvSpPr>
+            <a:spLocks noGrp="1"/>
+          </p:cNvSpPr>
+          <p:nvPr>
+            <p:ph type="sldNum" sz="quarter" idx="12"/>
+          </p:nvPr>
+        </p:nvSpPr>
+        <p:spPr/>
+        <p:txBody>
+          <a:bodyPr/>
+          <a:lstStyle/>
+          <a:p>
+            <a:fld id="{8B9A499C-E7AC-4E74-9635-A20519089A3A}" type="slidenum">
+              <a:rPr lang="en-US" smtClean="0"/>
+              <a:t>5</a:t>
+            </a:fld>
+            <a:endParaRPr lang="en-US"/>
+          </a:p>
+        </p:txBody>
+      </p:sp>
+      <p:sp>
+        <p:nvSpPr>
+          <p:cNvPr id="7" name="직사각형 6">
+            <a:extLst>
+              <a:ext uri="{FF2B5EF4-FFF2-40B4-BE49-F238E27FC236}">
+                <a16:creationId xmlns:a16="http://schemas.microsoft.com/office/drawing/2014/main" id="{692D7F9E-E0F6-4049-B304-4897A39B113A}"/>
+              </a:ext>
+            </a:extLst>
+          </p:cNvPr>
+          <p:cNvSpPr/>
+          <p:nvPr/>
+        </p:nvSpPr>
+        <p:spPr>
+          <a:xfrm>
+            <a:off x="718810" y="2783460"/>
+            <a:ext cx="4491486" cy="1477328"/>
+          </a:xfrm>
+          <a:prstGeom prst="rect">
+            <a:avLst/>
+          </a:prstGeom>
+        </p:spPr>
+        <p:txBody>
+          <a:bodyPr wrap="none">
+            <a:spAutoFit/>
+          </a:bodyPr>
+          <a:lstStyle/>
+          <a:p>
+            <a:r>
+              <a:rPr lang="en-US" dirty="0"/>
+              <a:t>API.AI recognize: time, date, location …</a:t>
+            </a:r>
+          </a:p>
+          <a:p>
+            <a:endParaRPr lang="en-US" dirty="0"/>
+          </a:p>
+          <a:p>
+            <a:r>
+              <a:rPr lang="en-US" dirty="0"/>
+              <a:t>Fallback – no matched answer to the question</a:t>
+            </a:r>
+          </a:p>
+          <a:p>
+            <a:endParaRPr lang="en-US" dirty="0"/>
+          </a:p>
+          <a:p>
+            <a:r>
+              <a:rPr lang="en-US" dirty="0"/>
+              <a:t>Type of responses</a:t>
+            </a:r>
+          </a:p>
+        </p:txBody>
+      </p:sp>
+      <p:pic>
+        <p:nvPicPr>
+          <p:cNvPr id="8" name="그림 7">
+            <a:extLst>
+              <a:ext uri="{FF2B5EF4-FFF2-40B4-BE49-F238E27FC236}">
+                <a16:creationId xmlns:a16="http://schemas.microsoft.com/office/drawing/2014/main" id="{B4215E07-EBE0-499C-A2B9-9EE41C4A0647}"/>
+              </a:ext>
+            </a:extLst>
+          </p:cNvPr>
+          <p:cNvPicPr>
+            <a:picLocks noChangeAspect="1"/>
+          </p:cNvPicPr>
+          <p:nvPr/>
+        </p:nvPicPr>
+        <p:blipFill>
+          <a:blip r:embed="rId4"/>
+          <a:stretch>
+            <a:fillRect/>
+          </a:stretch>
+        </p:blipFill>
+        <p:spPr>
+          <a:xfrm>
+            <a:off x="805895" y="4378234"/>
+            <a:ext cx="2065946" cy="2022566"/>
+          </a:xfrm>
+          <a:prstGeom prst="rect">
+            <a:avLst/>
+          </a:prstGeom>
+        </p:spPr>
+      </p:pic>
+    </p:spTree>
+    <p:extLst>
+      <p:ext uri="{BB962C8B-B14F-4D97-AF65-F5344CB8AC3E}">
+        <p14:creationId xmlns:p14="http://schemas.microsoft.com/office/powerpoint/2010/main" val="1816054944"/>
+      </p:ext>
+    </p:extLst>
+  </p:cSld>
+  <p:clrMapOvr>
+    <a:masterClrMapping/>
+  </p:clrMapOvr>
+</p:sld>
+</file>
+
+<file path=ppt/slides/slide6.xml><?xml version="1.0" encoding="utf-8"?>
+<p:sld xmlns:a="http://schemas.openxmlformats.org/drawingml/2006/main" xmlns:r="http://schemas.openxmlformats.org/officeDocument/2006/relationships" xmlns:p="http://schemas.openxmlformats.org/presentationml/2006/main">
+  <p:cSld>
+    <p:bg>
+      <p:bgPr>
+        <a:solidFill>
+          <a:schemeClr val="bg1">
+            <a:lumMod val="95000"/>
+          </a:schemeClr>
+        </a:solidFill>
+        <a:effectLst/>
+      </p:bgPr>
+    </p:bg>
+    <p:spTree>
+      <p:nvGrpSpPr>
+        <p:cNvPr id="1" name=""/>
+        <p:cNvGrpSpPr/>
+        <p:nvPr/>
+      </p:nvGrpSpPr>
+      <p:grpSpPr>
+        <a:xfrm>
+          <a:off x="0" y="0"/>
+          <a:ext cx="0" cy="0"/>
+          <a:chOff x="0" y="0"/>
+          <a:chExt cx="0" cy="0"/>
+        </a:xfrm>
+      </p:grpSpPr>
+      <p:pic>
+        <p:nvPicPr>
+          <p:cNvPr id="5" name="그림 4" descr="스크린샷이(가) 표시된 사진&#10;&#10;매우 높은 신뢰도로 생성된 설명">
+            <a:extLst>
+              <a:ext uri="{FF2B5EF4-FFF2-40B4-BE49-F238E27FC236}">
+                <a16:creationId xmlns:a16="http://schemas.microsoft.com/office/drawing/2014/main" id="{BEC9B168-870C-444A-AA59-29E460D2B02F}"/>
+              </a:ext>
+            </a:extLst>
+          </p:cNvPr>
+          <p:cNvPicPr>
+            <a:picLocks noChangeAspect="1"/>
+          </p:cNvPicPr>
+          <p:nvPr/>
+        </p:nvPicPr>
+        <p:blipFill rotWithShape="1">
+          <a:blip r:embed="rId2"/>
+          <a:srcRect t="544"/>
+          <a:stretch/>
+        </p:blipFill>
+        <p:spPr>
+          <a:xfrm>
+            <a:off x="8281906" y="0"/>
+            <a:ext cx="3910094" cy="6822521"/>
+          </a:xfrm>
+          <a:prstGeom prst="rect">
+            <a:avLst/>
+          </a:prstGeom>
+        </p:spPr>
+      </p:pic>
+      <p:sp>
+        <p:nvSpPr>
+          <p:cNvPr id="2" name="제목 1">
+            <a:extLst>
+              <a:ext uri="{FF2B5EF4-FFF2-40B4-BE49-F238E27FC236}">
+                <a16:creationId xmlns:a16="http://schemas.microsoft.com/office/drawing/2014/main" id="{556F85EF-C29A-4746-A6BE-0319F56FE9AA}"/>
+              </a:ext>
+            </a:extLst>
+          </p:cNvPr>
+          <p:cNvSpPr>
+            <a:spLocks noGrp="1"/>
+          </p:cNvSpPr>
+          <p:nvPr>
+            <p:ph type="title"/>
+          </p:nvPr>
+        </p:nvSpPr>
+        <p:spPr>
+          <a:xfrm>
+            <a:off x="804672" y="978776"/>
+            <a:ext cx="6746502" cy="1174991"/>
+          </a:xfrm>
+        </p:spPr>
+        <p:txBody>
+          <a:bodyPr>
+            <a:normAutofit/>
+          </a:bodyPr>
+          <a:lstStyle/>
+          <a:p>
+            <a:r>
+              <a:rPr lang="en-US" sz="2400"/>
+              <a:t>Testing</a:t>
+            </a:r>
+          </a:p>
+        </p:txBody>
+      </p:sp>
+      <p:sp>
+        <p:nvSpPr>
+          <p:cNvPr id="3" name="내용 개체 틀 2">
+            <a:extLst>
+              <a:ext uri="{FF2B5EF4-FFF2-40B4-BE49-F238E27FC236}">
+                <a16:creationId xmlns:a16="http://schemas.microsoft.com/office/drawing/2014/main" id="{8DF65622-F5EA-4E33-9526-8C4295EF93FC}"/>
+              </a:ext>
+            </a:extLst>
+          </p:cNvPr>
+          <p:cNvSpPr>
+            <a:spLocks noGrp="1"/>
+          </p:cNvSpPr>
+          <p:nvPr>
+            <p:ph idx="1"/>
+          </p:nvPr>
+        </p:nvSpPr>
+        <p:spPr>
+          <a:xfrm>
+            <a:off x="804672" y="2640692"/>
+            <a:ext cx="5925310" cy="3255252"/>
+          </a:xfrm>
+        </p:spPr>
+        <p:txBody>
+          <a:bodyPr>
+            <a:normAutofit/>
+          </a:bodyPr>
+          <a:lstStyle/>
+          <a:p>
+            <a:r>
+              <a:rPr lang="en-US" dirty="0"/>
+              <a:t>Select platform </a:t>
+            </a:r>
+          </a:p>
+        </p:txBody>
+      </p:sp>
+      <p:sp>
+        <p:nvSpPr>
+          <p:cNvPr id="6" name="슬라이드 번호 개체 틀 3">
+            <a:extLst>
+              <a:ext uri="{FF2B5EF4-FFF2-40B4-BE49-F238E27FC236}">
+                <a16:creationId xmlns:a16="http://schemas.microsoft.com/office/drawing/2014/main" id="{8E057A04-D32C-490B-8EFE-EDDF1072F486}"/>
+              </a:ext>
+            </a:extLst>
+          </p:cNvPr>
+          <p:cNvSpPr>
+            <a:spLocks noGrp="1"/>
+          </p:cNvSpPr>
+          <p:nvPr>
+            <p:ph type="sldNum" sz="quarter" idx="12"/>
+          </p:nvPr>
+        </p:nvSpPr>
+        <p:spPr>
+          <a:xfrm>
+            <a:off x="11704320" y="6400800"/>
+            <a:ext cx="365760" cy="365760"/>
+          </a:xfrm>
+        </p:spPr>
+        <p:txBody>
+          <a:bodyPr/>
+          <a:lstStyle/>
+          <a:p>
+            <a:fld id="{8B9A499C-E7AC-4E74-9635-A20519089A3A}" type="slidenum">
+              <a:rPr lang="en-US" smtClean="0"/>
+              <a:t>6</a:t>
+            </a:fld>
+            <a:endParaRPr lang="en-US"/>
+          </a:p>
+        </p:txBody>
+      </p:sp>
+    </p:spTree>
+    <p:extLst>
+      <p:ext uri="{BB962C8B-B14F-4D97-AF65-F5344CB8AC3E}">
+        <p14:creationId xmlns:p14="http://schemas.microsoft.com/office/powerpoint/2010/main" val="736835282"/>
       </p:ext>
     </p:extLst>
   </p:cSld>

--- a/2-3 About API.AI.pptx
+++ b/2-3 About API.AI.pptx
@@ -5,7 +5,7 @@
     <p:sldMasterId id="2147483660" r:id="rId1"/>
   </p:sldMasterIdLst>
   <p:notesMasterIdLst>
-    <p:notesMasterId r:id="rId8"/>
+    <p:notesMasterId r:id="rId9"/>
   </p:notesMasterIdLst>
   <p:sldIdLst>
     <p:sldId id="256" r:id="rId2"/>
@@ -13,7 +13,8 @@
     <p:sldId id="276" r:id="rId4"/>
     <p:sldId id="274" r:id="rId5"/>
     <p:sldId id="275" r:id="rId6"/>
-    <p:sldId id="277" r:id="rId7"/>
+    <p:sldId id="278" r:id="rId7"/>
+    <p:sldId id="277" r:id="rId8"/>
   </p:sldIdLst>
   <p:sldSz cx="12192000" cy="6858000"/>
   <p:notesSz cx="6858000" cy="9144000"/>
@@ -122,6 +123,7 @@
             <p14:sldId id="276"/>
             <p14:sldId id="274"/>
             <p14:sldId id="275"/>
+            <p14:sldId id="278"/>
             <p14:sldId id="277"/>
           </p14:sldIdLst>
         </p14:section>
@@ -220,7 +222,7 @@
           <a:p>
             <a:fld id="{82604E9E-60DE-417E-849E-2CDE7F357628}" type="datetimeFigureOut">
               <a:rPr lang="en-US" smtClean="0"/>
-              <a:t>7/27/2017</a:t>
+              <a:t>8/4/2017</a:t>
             </a:fld>
             <a:endParaRPr lang="en-US"/>
           </a:p>
@@ -976,7 +978,7 @@
           <a:p>
             <a:fld id="{0D913C1F-5111-45C8-8646-4E60C4FCFD33}" type="datetime1">
               <a:rPr lang="en-US" smtClean="0"/>
-              <a:t>7/27/2017</a:t>
+              <a:t>8/4/2017</a:t>
             </a:fld>
             <a:endParaRPr lang="en-US"/>
           </a:p>
@@ -1151,7 +1153,7 @@
           <a:p>
             <a:fld id="{D3A57730-C926-45F0-9361-C8E6CC7EFAB1}" type="datetime1">
               <a:rPr lang="en-US" smtClean="0"/>
-              <a:t>7/27/2017</a:t>
+              <a:t>8/4/2017</a:t>
             </a:fld>
             <a:endParaRPr lang="en-US"/>
           </a:p>
@@ -1331,7 +1333,7 @@
           <a:p>
             <a:fld id="{72F94769-6EA4-484E-8E33-A5D2CCD7F3B4}" type="datetime1">
               <a:rPr lang="en-US" smtClean="0"/>
-              <a:t>7/27/2017</a:t>
+              <a:t>8/4/2017</a:t>
             </a:fld>
             <a:endParaRPr lang="en-US"/>
           </a:p>
@@ -1501,7 +1503,7 @@
           <a:p>
             <a:fld id="{875CDD8C-CF5A-4DB3-98F8-3A2639B39FE9}" type="datetime1">
               <a:rPr lang="en-US" smtClean="0"/>
-              <a:t>7/27/2017</a:t>
+              <a:t>8/4/2017</a:t>
             </a:fld>
             <a:endParaRPr lang="en-US"/>
           </a:p>
@@ -1769,7 +1771,7 @@
           <a:p>
             <a:fld id="{73567B6B-69B5-4721-8DDE-4EEC9B6DCE0D}" type="datetime1">
               <a:rPr lang="en-US" smtClean="0"/>
-              <a:t>7/27/2017</a:t>
+              <a:t>8/4/2017</a:t>
             </a:fld>
             <a:endParaRPr lang="en-US"/>
           </a:p>
@@ -2001,7 +2003,7 @@
           <a:p>
             <a:fld id="{98DD2B97-22CE-4922-9B75-1DD88489AFD6}" type="datetime1">
               <a:rPr lang="en-US" smtClean="0"/>
-              <a:t>7/27/2017</a:t>
+              <a:t>8/4/2017</a:t>
             </a:fld>
             <a:endParaRPr lang="en-US"/>
           </a:p>
@@ -2360,7 +2362,7 @@
           <a:p>
             <a:fld id="{71335CB9-B160-4C99-9B3C-64E62B2B8AA1}" type="datetime1">
               <a:rPr lang="en-US" smtClean="0"/>
-              <a:t>7/27/2017</a:t>
+              <a:t>8/4/2017</a:t>
             </a:fld>
             <a:endParaRPr lang="en-US"/>
           </a:p>
@@ -2501,7 +2503,7 @@
           <a:p>
             <a:fld id="{AB5FD2A9-980D-4792-8107-6837CF22CACC}" type="datetime1">
               <a:rPr lang="en-US" smtClean="0"/>
-              <a:t>7/27/2017</a:t>
+              <a:t>8/4/2017</a:t>
             </a:fld>
             <a:endParaRPr lang="en-US"/>
           </a:p>
@@ -2596,7 +2598,7 @@
           <a:p>
             <a:fld id="{AE49ADA3-5F6C-44F2-923F-B96DDB41268F}" type="datetime1">
               <a:rPr lang="en-US" smtClean="0"/>
-              <a:t>7/27/2017</a:t>
+              <a:t>8/4/2017</a:t>
             </a:fld>
             <a:endParaRPr lang="en-US"/>
           </a:p>
@@ -2953,7 +2955,7 @@
           <a:p>
             <a:fld id="{CD641920-CFA1-454E-AD47-3EEEB5605BD0}" type="datetime1">
               <a:rPr lang="en-US" smtClean="0"/>
-              <a:t>7/27/2017</a:t>
+              <a:t>8/4/2017</a:t>
             </a:fld>
             <a:endParaRPr lang="en-US"/>
           </a:p>
@@ -3310,7 +3312,7 @@
           <a:p>
             <a:fld id="{F3A5C466-8A77-4A43-A9E6-B875AC354BDD}" type="datetime1">
               <a:rPr lang="en-US" smtClean="0"/>
-              <a:t>7/27/2017</a:t>
+              <a:t>8/4/2017</a:t>
             </a:fld>
             <a:endParaRPr lang="en-US"/>
           </a:p>
@@ -3551,7 +3553,7 @@
           <a:p>
             <a:fld id="{8C1F079E-EE37-4F70-8A6F-71D0624FBE44}" type="datetime1">
               <a:rPr lang="en-US" smtClean="0"/>
-              <a:t>7/27/2017</a:t>
+              <a:t>8/4/2017</a:t>
             </a:fld>
             <a:endParaRPr lang="en-US"/>
           </a:p>
@@ -5230,6 +5232,238 @@
 <file path=ppt/slides/slide6.xml><?xml version="1.0" encoding="utf-8"?>
 <p:sld xmlns:a="http://schemas.openxmlformats.org/drawingml/2006/main" xmlns:r="http://schemas.openxmlformats.org/officeDocument/2006/relationships" xmlns:p="http://schemas.openxmlformats.org/presentationml/2006/main">
   <p:cSld>
+    <p:spTree>
+      <p:nvGrpSpPr>
+        <p:cNvPr id="1" name=""/>
+        <p:cNvGrpSpPr/>
+        <p:nvPr/>
+      </p:nvGrpSpPr>
+      <p:grpSpPr>
+        <a:xfrm>
+          <a:off x="0" y="0"/>
+          <a:ext cx="0" cy="0"/>
+          <a:chOff x="0" y="0"/>
+          <a:chExt cx="0" cy="0"/>
+        </a:xfrm>
+      </p:grpSpPr>
+      <p:pic>
+        <p:nvPicPr>
+          <p:cNvPr id="5" name="그림 4">
+            <a:extLst>
+              <a:ext uri="{FF2B5EF4-FFF2-40B4-BE49-F238E27FC236}">
+                <a16:creationId xmlns:a16="http://schemas.microsoft.com/office/drawing/2014/main" id="{3E35F152-D5E0-415C-B8BB-AD18D9101329}"/>
+              </a:ext>
+            </a:extLst>
+          </p:cNvPr>
+          <p:cNvPicPr>
+            <a:picLocks noChangeAspect="1"/>
+          </p:cNvPicPr>
+          <p:nvPr/>
+        </p:nvPicPr>
+        <p:blipFill>
+          <a:blip r:embed="rId2"/>
+          <a:stretch>
+            <a:fillRect/>
+          </a:stretch>
+        </p:blipFill>
+        <p:spPr>
+          <a:xfrm>
+            <a:off x="5237894" y="2153412"/>
+            <a:ext cx="6227064" cy="3066829"/>
+          </a:xfrm>
+          <a:prstGeom prst="rect">
+            <a:avLst/>
+          </a:prstGeom>
+        </p:spPr>
+      </p:pic>
+      <p:sp>
+        <p:nvSpPr>
+          <p:cNvPr id="2" name="제목 1">
+            <a:extLst>
+              <a:ext uri="{FF2B5EF4-FFF2-40B4-BE49-F238E27FC236}">
+                <a16:creationId xmlns:a16="http://schemas.microsoft.com/office/drawing/2014/main" id="{6E53E540-487D-4EBB-B5B1-87DDAC344F76}"/>
+              </a:ext>
+            </a:extLst>
+          </p:cNvPr>
+          <p:cNvSpPr>
+            <a:spLocks noGrp="1"/>
+          </p:cNvSpPr>
+          <p:nvPr>
+            <p:ph type="title"/>
+          </p:nvPr>
+        </p:nvSpPr>
+        <p:spPr>
+          <a:xfrm>
+            <a:off x="3395472" y="452628"/>
+            <a:ext cx="5401056" cy="1188720"/>
+          </a:xfrm>
+        </p:spPr>
+        <p:txBody>
+          <a:bodyPr>
+            <a:normAutofit/>
+          </a:bodyPr>
+          <a:lstStyle/>
+          <a:p>
+            <a:r>
+              <a:rPr lang="en-US"/>
+              <a:t>Followup Intent</a:t>
+            </a:r>
+            <a:endParaRPr lang="en-US" dirty="0"/>
+          </a:p>
+        </p:txBody>
+      </p:sp>
+      <p:sp>
+        <p:nvSpPr>
+          <p:cNvPr id="3" name="내용 개체 틀 2">
+            <a:extLst>
+              <a:ext uri="{FF2B5EF4-FFF2-40B4-BE49-F238E27FC236}">
+                <a16:creationId xmlns:a16="http://schemas.microsoft.com/office/drawing/2014/main" id="{8A8B9BE0-2DAA-44AE-A0AE-84D79A26840D}"/>
+              </a:ext>
+            </a:extLst>
+          </p:cNvPr>
+          <p:cNvSpPr>
+            <a:spLocks noGrp="1"/>
+          </p:cNvSpPr>
+          <p:nvPr>
+            <p:ph idx="1"/>
+          </p:nvPr>
+        </p:nvSpPr>
+        <p:spPr>
+          <a:xfrm>
+            <a:off x="803244" y="2638044"/>
+            <a:ext cx="4634388" cy="3263206"/>
+          </a:xfrm>
+        </p:spPr>
+        <p:txBody>
+          <a:bodyPr>
+            <a:normAutofit/>
+          </a:bodyPr>
+          <a:lstStyle/>
+          <a:p>
+            <a:r>
+              <a:rPr lang="en-US" dirty="0"/>
+              <a:t>Used for conversation flow</a:t>
+            </a:r>
+          </a:p>
+          <a:p>
+            <a:r>
+              <a:rPr lang="en-US" dirty="0"/>
+              <a:t>ex)</a:t>
+            </a:r>
+          </a:p>
+          <a:p>
+            <a:pPr marL="228600" lvl="1" indent="0">
+              <a:buNone/>
+            </a:pPr>
+            <a:r>
+              <a:rPr lang="en-US" dirty="0"/>
+              <a:t>A: Are you a human?</a:t>
+            </a:r>
+          </a:p>
+          <a:p>
+            <a:pPr marL="228600" lvl="1" indent="0">
+              <a:buNone/>
+            </a:pPr>
+            <a:r>
+              <a:rPr lang="en-US" dirty="0"/>
+              <a:t>B: Yes.</a:t>
+            </a:r>
+            <a:br>
+              <a:rPr lang="en-US" dirty="0"/>
+            </a:br>
+            <a:r>
+              <a:rPr lang="en-US" dirty="0"/>
+              <a:t>(If you say no, it doesn’t go to female question)</a:t>
+            </a:r>
+          </a:p>
+          <a:p>
+            <a:pPr marL="228600" lvl="1" indent="0">
+              <a:buNone/>
+            </a:pPr>
+            <a:r>
+              <a:rPr lang="en-US" dirty="0"/>
+              <a:t>A: Are you female?</a:t>
+            </a:r>
+          </a:p>
+          <a:p>
+            <a:pPr marL="228600" lvl="1" indent="0">
+              <a:buNone/>
+            </a:pPr>
+            <a:r>
+              <a:rPr lang="en-US" dirty="0"/>
+              <a:t>B: No.</a:t>
+            </a:r>
+          </a:p>
+        </p:txBody>
+      </p:sp>
+      <p:sp>
+        <p:nvSpPr>
+          <p:cNvPr id="4" name="슬라이드 번호 개체 틀 3">
+            <a:extLst>
+              <a:ext uri="{FF2B5EF4-FFF2-40B4-BE49-F238E27FC236}">
+                <a16:creationId xmlns:a16="http://schemas.microsoft.com/office/drawing/2014/main" id="{C0172258-2F5C-4396-9DE2-4242F122892E}"/>
+              </a:ext>
+            </a:extLst>
+          </p:cNvPr>
+          <p:cNvSpPr>
+            <a:spLocks noGrp="1"/>
+          </p:cNvSpPr>
+          <p:nvPr>
+            <p:ph type="sldNum" sz="quarter" idx="12"/>
+          </p:nvPr>
+        </p:nvSpPr>
+        <p:spPr>
+          <a:xfrm>
+            <a:off x="10758922" y="6217920"/>
+            <a:ext cx="365760" cy="365760"/>
+          </a:xfrm>
+        </p:spPr>
+        <p:txBody>
+          <a:bodyPr>
+            <a:normAutofit/>
+          </a:bodyPr>
+          <a:lstStyle/>
+          <a:p>
+            <a:pPr>
+              <a:lnSpc>
+                <a:spcPct val="90000"/>
+              </a:lnSpc>
+              <a:spcAft>
+                <a:spcPts val="600"/>
+              </a:spcAft>
+            </a:pPr>
+            <a:fld id="{8B9A499C-E7AC-4E74-9635-A20519089A3A}" type="slidenum">
+              <a:rPr lang="en-US" smtClean="0"/>
+              <a:pPr>
+                <a:lnSpc>
+                  <a:spcPct val="90000"/>
+                </a:lnSpc>
+                <a:spcAft>
+                  <a:spcPts val="600"/>
+                </a:spcAft>
+              </a:pPr>
+              <a:t>6</a:t>
+            </a:fld>
+            <a:endParaRPr lang="en-US"/>
+          </a:p>
+        </p:txBody>
+      </p:sp>
+    </p:spTree>
+    <p:extLst>
+      <p:ext uri="{BB962C8B-B14F-4D97-AF65-F5344CB8AC3E}">
+        <p14:creationId xmlns:p14="http://schemas.microsoft.com/office/powerpoint/2010/main" val="3777890688"/>
+      </p:ext>
+    </p:extLst>
+  </p:cSld>
+  <p:clrMapOvr>
+    <a:masterClrMapping/>
+  </p:clrMapOvr>
+</p:sld>
+</file>
+
+<file path=ppt/slides/slide7.xml><?xml version="1.0" encoding="utf-8"?>
+<p:sld xmlns:a="http://schemas.openxmlformats.org/drawingml/2006/main" xmlns:r="http://schemas.openxmlformats.org/officeDocument/2006/relationships" xmlns:p="http://schemas.openxmlformats.org/presentationml/2006/main">
+  <p:cSld>
     <p:bg>
       <p:bgPr>
         <a:solidFill>
@@ -5381,7 +5615,7 @@
           <a:p>
             <a:fld id="{8B9A499C-E7AC-4E74-9635-A20519089A3A}" type="slidenum">
               <a:rPr lang="en-US" smtClean="0"/>
-              <a:t>6</a:t>
+              <a:t>7</a:t>
             </a:fld>
             <a:endParaRPr lang="en-US"/>
           </a:p>
